--- a/ppt 16-9/0619.每当我想起了你.pptx
+++ b/ppt 16-9/0619.每当我想起了你.pptx
@@ -129,7 +129,7 @@
           <p:cNvPr id="2" name="标题 1">
             <a:extLst>
               <a:ext uri="{FF2B5EF4-FFF2-40B4-BE49-F238E27FC236}">
-                <a16:creationId xmlns:a16="http://schemas.microsoft.com/office/drawing/2014/main" id="{1663C0AB-59FE-D996-791B-C878397131F2}"/>
+                <a16:creationId xmlns:a16="http://schemas.microsoft.com/office/drawing/2014/main" id="{237AF223-1D24-9AEA-46F0-A33F69696229}"/>
               </a:ext>
             </a:extLst>
           </p:cNvPr>
@@ -166,7 +166,7 @@
           <p:cNvPr id="3" name="副标题 2">
             <a:extLst>
               <a:ext uri="{FF2B5EF4-FFF2-40B4-BE49-F238E27FC236}">
-                <a16:creationId xmlns:a16="http://schemas.microsoft.com/office/drawing/2014/main" id="{4B214A64-1AA2-46D5-2229-E8FBBFBE3039}"/>
+                <a16:creationId xmlns:a16="http://schemas.microsoft.com/office/drawing/2014/main" id="{DEF96BC2-200D-2916-86D7-F2201085C1C8}"/>
               </a:ext>
             </a:extLst>
           </p:cNvPr>
@@ -236,7 +236,7 @@
           <p:cNvPr id="4" name="日期占位符 3">
             <a:extLst>
               <a:ext uri="{FF2B5EF4-FFF2-40B4-BE49-F238E27FC236}">
-                <a16:creationId xmlns:a16="http://schemas.microsoft.com/office/drawing/2014/main" id="{3B5936F2-B733-75B4-3B63-34485D096D6A}"/>
+                <a16:creationId xmlns:a16="http://schemas.microsoft.com/office/drawing/2014/main" id="{CCBC55B0-590B-FC4F-F95D-73E08BB869F8}"/>
               </a:ext>
             </a:extLst>
           </p:cNvPr>
@@ -252,7 +252,7 @@
           <a:bodyPr/>
           <a:lstStyle/>
           <a:p>
-            <a:fld id="{E10A629C-5079-4E2C-99D7-8D81384EEFBB}" type="datetimeFigureOut">
+            <a:fld id="{E71644B4-D9B3-4B22-9366-DA86911B7B8C}" type="datetimeFigureOut">
               <a:rPr lang="zh-CN" altLang="en-US" smtClean="0"/>
               <a:t>2024/3/10</a:t>
             </a:fld>
@@ -265,7 +265,7 @@
           <p:cNvPr id="5" name="页脚占位符 4">
             <a:extLst>
               <a:ext uri="{FF2B5EF4-FFF2-40B4-BE49-F238E27FC236}">
-                <a16:creationId xmlns:a16="http://schemas.microsoft.com/office/drawing/2014/main" id="{5403F7B0-535B-D7AA-F1B5-38102DCCCB9E}"/>
+                <a16:creationId xmlns:a16="http://schemas.microsoft.com/office/drawing/2014/main" id="{6D3F991B-31EC-906C-8E81-08B373695B61}"/>
               </a:ext>
             </a:extLst>
           </p:cNvPr>
@@ -290,7 +290,7 @@
           <p:cNvPr id="6" name="灯片编号占位符 5">
             <a:extLst>
               <a:ext uri="{FF2B5EF4-FFF2-40B4-BE49-F238E27FC236}">
-                <a16:creationId xmlns:a16="http://schemas.microsoft.com/office/drawing/2014/main" id="{BD7A8728-20F6-EB91-B834-B3F0388DE324}"/>
+                <a16:creationId xmlns:a16="http://schemas.microsoft.com/office/drawing/2014/main" id="{3EA69C83-AF4A-75A8-7657-6A723AC42D76}"/>
               </a:ext>
             </a:extLst>
           </p:cNvPr>
@@ -306,7 +306,7 @@
           <a:bodyPr/>
           <a:lstStyle/>
           <a:p>
-            <a:fld id="{B4101CDD-37A2-4328-9AA1-2D338D1166E5}" type="slidenum">
+            <a:fld id="{B9A30F79-7598-411B-93BB-C17885E3D094}" type="slidenum">
               <a:rPr lang="zh-CN" altLang="en-US" smtClean="0"/>
               <a:t>‹#›</a:t>
             </a:fld>
@@ -317,7 +317,7 @@
     </p:spTree>
     <p:extLst>
       <p:ext uri="{BB962C8B-B14F-4D97-AF65-F5344CB8AC3E}">
-        <p14:creationId xmlns:p14="http://schemas.microsoft.com/office/powerpoint/2010/main" val="2131988970"/>
+        <p14:creationId xmlns:p14="http://schemas.microsoft.com/office/powerpoint/2010/main" val="1405264268"/>
       </p:ext>
     </p:extLst>
   </p:cSld>
@@ -349,7 +349,7 @@
           <p:cNvPr id="2" name="标题 1">
             <a:extLst>
               <a:ext uri="{FF2B5EF4-FFF2-40B4-BE49-F238E27FC236}">
-                <a16:creationId xmlns:a16="http://schemas.microsoft.com/office/drawing/2014/main" id="{A1DB30F0-0754-EFA2-F9D7-9F139880B5AB}"/>
+                <a16:creationId xmlns:a16="http://schemas.microsoft.com/office/drawing/2014/main" id="{7151DE84-9D7B-0301-8362-F8054FADB548}"/>
               </a:ext>
             </a:extLst>
           </p:cNvPr>
@@ -377,7 +377,7 @@
           <p:cNvPr id="3" name="竖排文字占位符 2">
             <a:extLst>
               <a:ext uri="{FF2B5EF4-FFF2-40B4-BE49-F238E27FC236}">
-                <a16:creationId xmlns:a16="http://schemas.microsoft.com/office/drawing/2014/main" id="{AB401340-6004-C12C-F4E3-2FE3289A0812}"/>
+                <a16:creationId xmlns:a16="http://schemas.microsoft.com/office/drawing/2014/main" id="{DE6268D9-FCAE-7C0B-2475-F3A773231814}"/>
               </a:ext>
             </a:extLst>
           </p:cNvPr>
@@ -434,7 +434,7 @@
           <p:cNvPr id="4" name="日期占位符 3">
             <a:extLst>
               <a:ext uri="{FF2B5EF4-FFF2-40B4-BE49-F238E27FC236}">
-                <a16:creationId xmlns:a16="http://schemas.microsoft.com/office/drawing/2014/main" id="{A569F234-99CE-239A-B7C8-B1484D832F5C}"/>
+                <a16:creationId xmlns:a16="http://schemas.microsoft.com/office/drawing/2014/main" id="{9CE99E17-3BFF-C161-208B-BB513C71B47E}"/>
               </a:ext>
             </a:extLst>
           </p:cNvPr>
@@ -450,7 +450,7 @@
           <a:bodyPr/>
           <a:lstStyle/>
           <a:p>
-            <a:fld id="{E10A629C-5079-4E2C-99D7-8D81384EEFBB}" type="datetimeFigureOut">
+            <a:fld id="{E71644B4-D9B3-4B22-9366-DA86911B7B8C}" type="datetimeFigureOut">
               <a:rPr lang="zh-CN" altLang="en-US" smtClean="0"/>
               <a:t>2024/3/10</a:t>
             </a:fld>
@@ -463,7 +463,7 @@
           <p:cNvPr id="5" name="页脚占位符 4">
             <a:extLst>
               <a:ext uri="{FF2B5EF4-FFF2-40B4-BE49-F238E27FC236}">
-                <a16:creationId xmlns:a16="http://schemas.microsoft.com/office/drawing/2014/main" id="{57D88681-74EA-CD3A-4F67-003396391233}"/>
+                <a16:creationId xmlns:a16="http://schemas.microsoft.com/office/drawing/2014/main" id="{CC8F90E5-9C76-F655-339A-43AF889C07DE}"/>
               </a:ext>
             </a:extLst>
           </p:cNvPr>
@@ -488,7 +488,7 @@
           <p:cNvPr id="6" name="灯片编号占位符 5">
             <a:extLst>
               <a:ext uri="{FF2B5EF4-FFF2-40B4-BE49-F238E27FC236}">
-                <a16:creationId xmlns:a16="http://schemas.microsoft.com/office/drawing/2014/main" id="{7C02DFE9-F91D-6B81-AED6-E360B4975424}"/>
+                <a16:creationId xmlns:a16="http://schemas.microsoft.com/office/drawing/2014/main" id="{65F4E1F6-2367-6343-1366-0881993F17FF}"/>
               </a:ext>
             </a:extLst>
           </p:cNvPr>
@@ -504,7 +504,7 @@
           <a:bodyPr/>
           <a:lstStyle/>
           <a:p>
-            <a:fld id="{B4101CDD-37A2-4328-9AA1-2D338D1166E5}" type="slidenum">
+            <a:fld id="{B9A30F79-7598-411B-93BB-C17885E3D094}" type="slidenum">
               <a:rPr lang="zh-CN" altLang="en-US" smtClean="0"/>
               <a:t>‹#›</a:t>
             </a:fld>
@@ -515,7 +515,7 @@
     </p:spTree>
     <p:extLst>
       <p:ext uri="{BB962C8B-B14F-4D97-AF65-F5344CB8AC3E}">
-        <p14:creationId xmlns:p14="http://schemas.microsoft.com/office/powerpoint/2010/main" val="2812592239"/>
+        <p14:creationId xmlns:p14="http://schemas.microsoft.com/office/powerpoint/2010/main" val="1379053990"/>
       </p:ext>
     </p:extLst>
   </p:cSld>
@@ -547,7 +547,7 @@
           <p:cNvPr id="2" name="竖排标题 1">
             <a:extLst>
               <a:ext uri="{FF2B5EF4-FFF2-40B4-BE49-F238E27FC236}">
-                <a16:creationId xmlns:a16="http://schemas.microsoft.com/office/drawing/2014/main" id="{CD562A36-D27E-FC4B-99D4-6EE4F880C52C}"/>
+                <a16:creationId xmlns:a16="http://schemas.microsoft.com/office/drawing/2014/main" id="{A457D564-58AE-1BF9-2B4D-CC74696FE246}"/>
               </a:ext>
             </a:extLst>
           </p:cNvPr>
@@ -580,7 +580,7 @@
           <p:cNvPr id="3" name="竖排文字占位符 2">
             <a:extLst>
               <a:ext uri="{FF2B5EF4-FFF2-40B4-BE49-F238E27FC236}">
-                <a16:creationId xmlns:a16="http://schemas.microsoft.com/office/drawing/2014/main" id="{DF52F461-7CA3-B94E-82D9-CE2F322153FE}"/>
+                <a16:creationId xmlns:a16="http://schemas.microsoft.com/office/drawing/2014/main" id="{AA597E45-193D-1565-86D2-46B375663E6E}"/>
               </a:ext>
             </a:extLst>
           </p:cNvPr>
@@ -642,7 +642,7 @@
           <p:cNvPr id="4" name="日期占位符 3">
             <a:extLst>
               <a:ext uri="{FF2B5EF4-FFF2-40B4-BE49-F238E27FC236}">
-                <a16:creationId xmlns:a16="http://schemas.microsoft.com/office/drawing/2014/main" id="{86E981B6-1078-6568-D2BB-0366F08BA9D4}"/>
+                <a16:creationId xmlns:a16="http://schemas.microsoft.com/office/drawing/2014/main" id="{7EEC08BF-ED6B-676C-D955-6CCDFC5B9FF4}"/>
               </a:ext>
             </a:extLst>
           </p:cNvPr>
@@ -658,7 +658,7 @@
           <a:bodyPr/>
           <a:lstStyle/>
           <a:p>
-            <a:fld id="{E10A629C-5079-4E2C-99D7-8D81384EEFBB}" type="datetimeFigureOut">
+            <a:fld id="{E71644B4-D9B3-4B22-9366-DA86911B7B8C}" type="datetimeFigureOut">
               <a:rPr lang="zh-CN" altLang="en-US" smtClean="0"/>
               <a:t>2024/3/10</a:t>
             </a:fld>
@@ -671,7 +671,7 @@
           <p:cNvPr id="5" name="页脚占位符 4">
             <a:extLst>
               <a:ext uri="{FF2B5EF4-FFF2-40B4-BE49-F238E27FC236}">
-                <a16:creationId xmlns:a16="http://schemas.microsoft.com/office/drawing/2014/main" id="{2434DFB8-F7C6-9613-1D4B-48246CF9A5D2}"/>
+                <a16:creationId xmlns:a16="http://schemas.microsoft.com/office/drawing/2014/main" id="{7CD5A26B-91E0-BA28-0DCA-75F1CBC5DEA7}"/>
               </a:ext>
             </a:extLst>
           </p:cNvPr>
@@ -696,7 +696,7 @@
           <p:cNvPr id="6" name="灯片编号占位符 5">
             <a:extLst>
               <a:ext uri="{FF2B5EF4-FFF2-40B4-BE49-F238E27FC236}">
-                <a16:creationId xmlns:a16="http://schemas.microsoft.com/office/drawing/2014/main" id="{E5932212-C83C-509C-C537-0D00C4148249}"/>
+                <a16:creationId xmlns:a16="http://schemas.microsoft.com/office/drawing/2014/main" id="{32325DBC-B54C-2ECF-E83E-8B5F35A8114E}"/>
               </a:ext>
             </a:extLst>
           </p:cNvPr>
@@ -712,7 +712,7 @@
           <a:bodyPr/>
           <a:lstStyle/>
           <a:p>
-            <a:fld id="{B4101CDD-37A2-4328-9AA1-2D338D1166E5}" type="slidenum">
+            <a:fld id="{B9A30F79-7598-411B-93BB-C17885E3D094}" type="slidenum">
               <a:rPr lang="zh-CN" altLang="en-US" smtClean="0"/>
               <a:t>‹#›</a:t>
             </a:fld>
@@ -723,7 +723,7 @@
     </p:spTree>
     <p:extLst>
       <p:ext uri="{BB962C8B-B14F-4D97-AF65-F5344CB8AC3E}">
-        <p14:creationId xmlns:p14="http://schemas.microsoft.com/office/powerpoint/2010/main" val="1311319601"/>
+        <p14:creationId xmlns:p14="http://schemas.microsoft.com/office/powerpoint/2010/main" val="3910717703"/>
       </p:ext>
     </p:extLst>
   </p:cSld>
@@ -755,7 +755,7 @@
           <p:cNvPr id="2" name="标题 1">
             <a:extLst>
               <a:ext uri="{FF2B5EF4-FFF2-40B4-BE49-F238E27FC236}">
-                <a16:creationId xmlns:a16="http://schemas.microsoft.com/office/drawing/2014/main" id="{FF387F55-0E43-30A0-41EC-9CFF8FDC8692}"/>
+                <a16:creationId xmlns:a16="http://schemas.microsoft.com/office/drawing/2014/main" id="{AD394963-D118-407B-849B-00BD5087F8D5}"/>
               </a:ext>
             </a:extLst>
           </p:cNvPr>
@@ -783,7 +783,7 @@
           <p:cNvPr id="3" name="内容占位符 2">
             <a:extLst>
               <a:ext uri="{FF2B5EF4-FFF2-40B4-BE49-F238E27FC236}">
-                <a16:creationId xmlns:a16="http://schemas.microsoft.com/office/drawing/2014/main" id="{866C35DE-8C90-5544-2B3F-90C85E3445EB}"/>
+                <a16:creationId xmlns:a16="http://schemas.microsoft.com/office/drawing/2014/main" id="{C9E0C395-0C89-2AE9-F982-D7B1D5CD47A1}"/>
               </a:ext>
             </a:extLst>
           </p:cNvPr>
@@ -840,7 +840,7 @@
           <p:cNvPr id="4" name="日期占位符 3">
             <a:extLst>
               <a:ext uri="{FF2B5EF4-FFF2-40B4-BE49-F238E27FC236}">
-                <a16:creationId xmlns:a16="http://schemas.microsoft.com/office/drawing/2014/main" id="{96937F09-C73C-65F0-BBA6-69945E6AE725}"/>
+                <a16:creationId xmlns:a16="http://schemas.microsoft.com/office/drawing/2014/main" id="{94CFCB1F-16C7-3E28-8962-4A0F840814F7}"/>
               </a:ext>
             </a:extLst>
           </p:cNvPr>
@@ -856,7 +856,7 @@
           <a:bodyPr/>
           <a:lstStyle/>
           <a:p>
-            <a:fld id="{E10A629C-5079-4E2C-99D7-8D81384EEFBB}" type="datetimeFigureOut">
+            <a:fld id="{E71644B4-D9B3-4B22-9366-DA86911B7B8C}" type="datetimeFigureOut">
               <a:rPr lang="zh-CN" altLang="en-US" smtClean="0"/>
               <a:t>2024/3/10</a:t>
             </a:fld>
@@ -869,7 +869,7 @@
           <p:cNvPr id="5" name="页脚占位符 4">
             <a:extLst>
               <a:ext uri="{FF2B5EF4-FFF2-40B4-BE49-F238E27FC236}">
-                <a16:creationId xmlns:a16="http://schemas.microsoft.com/office/drawing/2014/main" id="{CD591526-BD1F-6E3D-B5EF-A76B040A7723}"/>
+                <a16:creationId xmlns:a16="http://schemas.microsoft.com/office/drawing/2014/main" id="{8F567DBD-B334-3B74-AAD2-BA6B1EDD0DC7}"/>
               </a:ext>
             </a:extLst>
           </p:cNvPr>
@@ -894,7 +894,7 @@
           <p:cNvPr id="6" name="灯片编号占位符 5">
             <a:extLst>
               <a:ext uri="{FF2B5EF4-FFF2-40B4-BE49-F238E27FC236}">
-                <a16:creationId xmlns:a16="http://schemas.microsoft.com/office/drawing/2014/main" id="{13DE35EC-9BD8-A3CB-2035-F1874734BAE9}"/>
+                <a16:creationId xmlns:a16="http://schemas.microsoft.com/office/drawing/2014/main" id="{CAAF4E17-AC2F-22EB-0E07-151C0AF73172}"/>
               </a:ext>
             </a:extLst>
           </p:cNvPr>
@@ -910,7 +910,7 @@
           <a:bodyPr/>
           <a:lstStyle/>
           <a:p>
-            <a:fld id="{B4101CDD-37A2-4328-9AA1-2D338D1166E5}" type="slidenum">
+            <a:fld id="{B9A30F79-7598-411B-93BB-C17885E3D094}" type="slidenum">
               <a:rPr lang="zh-CN" altLang="en-US" smtClean="0"/>
               <a:t>‹#›</a:t>
             </a:fld>
@@ -921,7 +921,7 @@
     </p:spTree>
     <p:extLst>
       <p:ext uri="{BB962C8B-B14F-4D97-AF65-F5344CB8AC3E}">
-        <p14:creationId xmlns:p14="http://schemas.microsoft.com/office/powerpoint/2010/main" val="693577375"/>
+        <p14:creationId xmlns:p14="http://schemas.microsoft.com/office/powerpoint/2010/main" val="1754162144"/>
       </p:ext>
     </p:extLst>
   </p:cSld>
@@ -953,7 +953,7 @@
           <p:cNvPr id="2" name="标题 1">
             <a:extLst>
               <a:ext uri="{FF2B5EF4-FFF2-40B4-BE49-F238E27FC236}">
-                <a16:creationId xmlns:a16="http://schemas.microsoft.com/office/drawing/2014/main" id="{FC837C60-E1CA-D306-247B-A24725D64C68}"/>
+                <a16:creationId xmlns:a16="http://schemas.microsoft.com/office/drawing/2014/main" id="{CCF6724C-15C0-3E35-33B0-EFD9502BF7EA}"/>
               </a:ext>
             </a:extLst>
           </p:cNvPr>
@@ -990,7 +990,7 @@
           <p:cNvPr id="3" name="文本占位符 2">
             <a:extLst>
               <a:ext uri="{FF2B5EF4-FFF2-40B4-BE49-F238E27FC236}">
-                <a16:creationId xmlns:a16="http://schemas.microsoft.com/office/drawing/2014/main" id="{58AE8E07-33F7-A937-45B2-AC58D26690D6}"/>
+                <a16:creationId xmlns:a16="http://schemas.microsoft.com/office/drawing/2014/main" id="{8B8D35BA-BE21-0BE7-50D5-A67503675291}"/>
               </a:ext>
             </a:extLst>
           </p:cNvPr>
@@ -1115,7 +1115,7 @@
           <p:cNvPr id="4" name="日期占位符 3">
             <a:extLst>
               <a:ext uri="{FF2B5EF4-FFF2-40B4-BE49-F238E27FC236}">
-                <a16:creationId xmlns:a16="http://schemas.microsoft.com/office/drawing/2014/main" id="{0E747ABC-B126-720A-E661-67824FC27462}"/>
+                <a16:creationId xmlns:a16="http://schemas.microsoft.com/office/drawing/2014/main" id="{D201436E-A4B3-7A77-DD0E-749E44883A40}"/>
               </a:ext>
             </a:extLst>
           </p:cNvPr>
@@ -1131,7 +1131,7 @@
           <a:bodyPr/>
           <a:lstStyle/>
           <a:p>
-            <a:fld id="{E10A629C-5079-4E2C-99D7-8D81384EEFBB}" type="datetimeFigureOut">
+            <a:fld id="{E71644B4-D9B3-4B22-9366-DA86911B7B8C}" type="datetimeFigureOut">
               <a:rPr lang="zh-CN" altLang="en-US" smtClean="0"/>
               <a:t>2024/3/10</a:t>
             </a:fld>
@@ -1144,7 +1144,7 @@
           <p:cNvPr id="5" name="页脚占位符 4">
             <a:extLst>
               <a:ext uri="{FF2B5EF4-FFF2-40B4-BE49-F238E27FC236}">
-                <a16:creationId xmlns:a16="http://schemas.microsoft.com/office/drawing/2014/main" id="{607164C7-DB94-0D75-44D4-29BC391B42E6}"/>
+                <a16:creationId xmlns:a16="http://schemas.microsoft.com/office/drawing/2014/main" id="{40F30D0F-0430-7B57-F436-BFFDD414FF23}"/>
               </a:ext>
             </a:extLst>
           </p:cNvPr>
@@ -1169,7 +1169,7 @@
           <p:cNvPr id="6" name="灯片编号占位符 5">
             <a:extLst>
               <a:ext uri="{FF2B5EF4-FFF2-40B4-BE49-F238E27FC236}">
-                <a16:creationId xmlns:a16="http://schemas.microsoft.com/office/drawing/2014/main" id="{8F381880-2DBF-23D5-70C0-53B455AB9ABC}"/>
+                <a16:creationId xmlns:a16="http://schemas.microsoft.com/office/drawing/2014/main" id="{65BFC3F2-8D00-19C1-6BE1-2CCB8C4D8D15}"/>
               </a:ext>
             </a:extLst>
           </p:cNvPr>
@@ -1185,7 +1185,7 @@
           <a:bodyPr/>
           <a:lstStyle/>
           <a:p>
-            <a:fld id="{B4101CDD-37A2-4328-9AA1-2D338D1166E5}" type="slidenum">
+            <a:fld id="{B9A30F79-7598-411B-93BB-C17885E3D094}" type="slidenum">
               <a:rPr lang="zh-CN" altLang="en-US" smtClean="0"/>
               <a:t>‹#›</a:t>
             </a:fld>
@@ -1196,7 +1196,7 @@
     </p:spTree>
     <p:extLst>
       <p:ext uri="{BB962C8B-B14F-4D97-AF65-F5344CB8AC3E}">
-        <p14:creationId xmlns:p14="http://schemas.microsoft.com/office/powerpoint/2010/main" val="2677767238"/>
+        <p14:creationId xmlns:p14="http://schemas.microsoft.com/office/powerpoint/2010/main" val="136597379"/>
       </p:ext>
     </p:extLst>
   </p:cSld>
@@ -1228,7 +1228,7 @@
           <p:cNvPr id="2" name="标题 1">
             <a:extLst>
               <a:ext uri="{FF2B5EF4-FFF2-40B4-BE49-F238E27FC236}">
-                <a16:creationId xmlns:a16="http://schemas.microsoft.com/office/drawing/2014/main" id="{E6242CC0-3B9E-7F22-8267-83C042BEFF17}"/>
+                <a16:creationId xmlns:a16="http://schemas.microsoft.com/office/drawing/2014/main" id="{3AE509C7-343C-B305-AF9F-0DC9CE407C34}"/>
               </a:ext>
             </a:extLst>
           </p:cNvPr>
@@ -1256,7 +1256,7 @@
           <p:cNvPr id="3" name="内容占位符 2">
             <a:extLst>
               <a:ext uri="{FF2B5EF4-FFF2-40B4-BE49-F238E27FC236}">
-                <a16:creationId xmlns:a16="http://schemas.microsoft.com/office/drawing/2014/main" id="{EDCEE3EE-174F-5B71-5ED8-03354DFB8093}"/>
+                <a16:creationId xmlns:a16="http://schemas.microsoft.com/office/drawing/2014/main" id="{D931734D-4783-C1A2-E268-7482470A14DD}"/>
               </a:ext>
             </a:extLst>
           </p:cNvPr>
@@ -1318,7 +1318,7 @@
           <p:cNvPr id="4" name="内容占位符 3">
             <a:extLst>
               <a:ext uri="{FF2B5EF4-FFF2-40B4-BE49-F238E27FC236}">
-                <a16:creationId xmlns:a16="http://schemas.microsoft.com/office/drawing/2014/main" id="{F7C4DB94-1D90-4031-5B3E-369A64529C94}"/>
+                <a16:creationId xmlns:a16="http://schemas.microsoft.com/office/drawing/2014/main" id="{C123EEA6-B270-DC47-3380-E80C32CCEED4}"/>
               </a:ext>
             </a:extLst>
           </p:cNvPr>
@@ -1380,7 +1380,7 @@
           <p:cNvPr id="5" name="日期占位符 4">
             <a:extLst>
               <a:ext uri="{FF2B5EF4-FFF2-40B4-BE49-F238E27FC236}">
-                <a16:creationId xmlns:a16="http://schemas.microsoft.com/office/drawing/2014/main" id="{C831F549-9FE2-AAEB-BF46-99B2CFBD2B13}"/>
+                <a16:creationId xmlns:a16="http://schemas.microsoft.com/office/drawing/2014/main" id="{09074CC1-A3FD-313D-515F-EC11DF1F7190}"/>
               </a:ext>
             </a:extLst>
           </p:cNvPr>
@@ -1396,7 +1396,7 @@
           <a:bodyPr/>
           <a:lstStyle/>
           <a:p>
-            <a:fld id="{E10A629C-5079-4E2C-99D7-8D81384EEFBB}" type="datetimeFigureOut">
+            <a:fld id="{E71644B4-D9B3-4B22-9366-DA86911B7B8C}" type="datetimeFigureOut">
               <a:rPr lang="zh-CN" altLang="en-US" smtClean="0"/>
               <a:t>2024/3/10</a:t>
             </a:fld>
@@ -1409,7 +1409,7 @@
           <p:cNvPr id="6" name="页脚占位符 5">
             <a:extLst>
               <a:ext uri="{FF2B5EF4-FFF2-40B4-BE49-F238E27FC236}">
-                <a16:creationId xmlns:a16="http://schemas.microsoft.com/office/drawing/2014/main" id="{253175EE-CA73-D59C-A23D-45568A28215F}"/>
+                <a16:creationId xmlns:a16="http://schemas.microsoft.com/office/drawing/2014/main" id="{8A45E3BA-8769-F2C5-AFF7-27AC62F5F2EF}"/>
               </a:ext>
             </a:extLst>
           </p:cNvPr>
@@ -1434,7 +1434,7 @@
           <p:cNvPr id="7" name="灯片编号占位符 6">
             <a:extLst>
               <a:ext uri="{FF2B5EF4-FFF2-40B4-BE49-F238E27FC236}">
-                <a16:creationId xmlns:a16="http://schemas.microsoft.com/office/drawing/2014/main" id="{0A6980BF-83AF-29FA-9775-A031A42F4D17}"/>
+                <a16:creationId xmlns:a16="http://schemas.microsoft.com/office/drawing/2014/main" id="{6284E0EE-3CA4-28EE-C270-06391E40B089}"/>
               </a:ext>
             </a:extLst>
           </p:cNvPr>
@@ -1450,7 +1450,7 @@
           <a:bodyPr/>
           <a:lstStyle/>
           <a:p>
-            <a:fld id="{B4101CDD-37A2-4328-9AA1-2D338D1166E5}" type="slidenum">
+            <a:fld id="{B9A30F79-7598-411B-93BB-C17885E3D094}" type="slidenum">
               <a:rPr lang="zh-CN" altLang="en-US" smtClean="0"/>
               <a:t>‹#›</a:t>
             </a:fld>
@@ -1461,7 +1461,7 @@
     </p:spTree>
     <p:extLst>
       <p:ext uri="{BB962C8B-B14F-4D97-AF65-F5344CB8AC3E}">
-        <p14:creationId xmlns:p14="http://schemas.microsoft.com/office/powerpoint/2010/main" val="1957574027"/>
+        <p14:creationId xmlns:p14="http://schemas.microsoft.com/office/powerpoint/2010/main" val="787152570"/>
       </p:ext>
     </p:extLst>
   </p:cSld>
@@ -1493,7 +1493,7 @@
           <p:cNvPr id="2" name="标题 1">
             <a:extLst>
               <a:ext uri="{FF2B5EF4-FFF2-40B4-BE49-F238E27FC236}">
-                <a16:creationId xmlns:a16="http://schemas.microsoft.com/office/drawing/2014/main" id="{2456CF29-73EB-9826-05D2-7FDD898C36BD}"/>
+                <a16:creationId xmlns:a16="http://schemas.microsoft.com/office/drawing/2014/main" id="{6294C931-E695-F6A8-19FC-C935A049B1E1}"/>
               </a:ext>
             </a:extLst>
           </p:cNvPr>
@@ -1526,7 +1526,7 @@
           <p:cNvPr id="3" name="文本占位符 2">
             <a:extLst>
               <a:ext uri="{FF2B5EF4-FFF2-40B4-BE49-F238E27FC236}">
-                <a16:creationId xmlns:a16="http://schemas.microsoft.com/office/drawing/2014/main" id="{AE7DC11E-3E82-C173-8A52-740D09B0C4AB}"/>
+                <a16:creationId xmlns:a16="http://schemas.microsoft.com/office/drawing/2014/main" id="{98E7AFF0-2D07-8FF8-F1ED-848326BDCF0F}"/>
               </a:ext>
             </a:extLst>
           </p:cNvPr>
@@ -1597,7 +1597,7 @@
           <p:cNvPr id="4" name="内容占位符 3">
             <a:extLst>
               <a:ext uri="{FF2B5EF4-FFF2-40B4-BE49-F238E27FC236}">
-                <a16:creationId xmlns:a16="http://schemas.microsoft.com/office/drawing/2014/main" id="{59C506F9-C44B-1866-BA0E-071AB0F691CB}"/>
+                <a16:creationId xmlns:a16="http://schemas.microsoft.com/office/drawing/2014/main" id="{ECD80B96-FC9D-8E4D-FF43-F3AAE53A6882}"/>
               </a:ext>
             </a:extLst>
           </p:cNvPr>
@@ -1659,7 +1659,7 @@
           <p:cNvPr id="5" name="文本占位符 4">
             <a:extLst>
               <a:ext uri="{FF2B5EF4-FFF2-40B4-BE49-F238E27FC236}">
-                <a16:creationId xmlns:a16="http://schemas.microsoft.com/office/drawing/2014/main" id="{43C545AC-9403-624A-2C22-79D2DA21FC70}"/>
+                <a16:creationId xmlns:a16="http://schemas.microsoft.com/office/drawing/2014/main" id="{913E8D30-AB30-2AF1-51DB-914F2E96C5A8}"/>
               </a:ext>
             </a:extLst>
           </p:cNvPr>
@@ -1730,7 +1730,7 @@
           <p:cNvPr id="6" name="内容占位符 5">
             <a:extLst>
               <a:ext uri="{FF2B5EF4-FFF2-40B4-BE49-F238E27FC236}">
-                <a16:creationId xmlns:a16="http://schemas.microsoft.com/office/drawing/2014/main" id="{9F508045-6925-D841-F28E-569B8DB7C4B8}"/>
+                <a16:creationId xmlns:a16="http://schemas.microsoft.com/office/drawing/2014/main" id="{867C29C5-1B33-59B2-401C-6B894F5B93FB}"/>
               </a:ext>
             </a:extLst>
           </p:cNvPr>
@@ -1792,7 +1792,7 @@
           <p:cNvPr id="7" name="日期占位符 6">
             <a:extLst>
               <a:ext uri="{FF2B5EF4-FFF2-40B4-BE49-F238E27FC236}">
-                <a16:creationId xmlns:a16="http://schemas.microsoft.com/office/drawing/2014/main" id="{2702DA5F-CFA8-13D5-6D6C-5C482818304A}"/>
+                <a16:creationId xmlns:a16="http://schemas.microsoft.com/office/drawing/2014/main" id="{471533EB-13EF-D1B9-DF4B-28C1CEBDEF45}"/>
               </a:ext>
             </a:extLst>
           </p:cNvPr>
@@ -1808,7 +1808,7 @@
           <a:bodyPr/>
           <a:lstStyle/>
           <a:p>
-            <a:fld id="{E10A629C-5079-4E2C-99D7-8D81384EEFBB}" type="datetimeFigureOut">
+            <a:fld id="{E71644B4-D9B3-4B22-9366-DA86911B7B8C}" type="datetimeFigureOut">
               <a:rPr lang="zh-CN" altLang="en-US" smtClean="0"/>
               <a:t>2024/3/10</a:t>
             </a:fld>
@@ -1821,7 +1821,7 @@
           <p:cNvPr id="8" name="页脚占位符 7">
             <a:extLst>
               <a:ext uri="{FF2B5EF4-FFF2-40B4-BE49-F238E27FC236}">
-                <a16:creationId xmlns:a16="http://schemas.microsoft.com/office/drawing/2014/main" id="{ECA64B65-C18C-CDB5-5BD4-6701751C1B1F}"/>
+                <a16:creationId xmlns:a16="http://schemas.microsoft.com/office/drawing/2014/main" id="{0EB5E105-EBD2-58CA-267F-3D06A8DD5A86}"/>
               </a:ext>
             </a:extLst>
           </p:cNvPr>
@@ -1846,7 +1846,7 @@
           <p:cNvPr id="9" name="灯片编号占位符 8">
             <a:extLst>
               <a:ext uri="{FF2B5EF4-FFF2-40B4-BE49-F238E27FC236}">
-                <a16:creationId xmlns:a16="http://schemas.microsoft.com/office/drawing/2014/main" id="{55BE39DA-2BF7-2265-7633-3F00DC4942DB}"/>
+                <a16:creationId xmlns:a16="http://schemas.microsoft.com/office/drawing/2014/main" id="{E800CC33-BFEB-5A0F-EEF0-169DB1EF3789}"/>
               </a:ext>
             </a:extLst>
           </p:cNvPr>
@@ -1862,7 +1862,7 @@
           <a:bodyPr/>
           <a:lstStyle/>
           <a:p>
-            <a:fld id="{B4101CDD-37A2-4328-9AA1-2D338D1166E5}" type="slidenum">
+            <a:fld id="{B9A30F79-7598-411B-93BB-C17885E3D094}" type="slidenum">
               <a:rPr lang="zh-CN" altLang="en-US" smtClean="0"/>
               <a:t>‹#›</a:t>
             </a:fld>
@@ -1873,7 +1873,7 @@
     </p:spTree>
     <p:extLst>
       <p:ext uri="{BB962C8B-B14F-4D97-AF65-F5344CB8AC3E}">
-        <p14:creationId xmlns:p14="http://schemas.microsoft.com/office/powerpoint/2010/main" val="1031461569"/>
+        <p14:creationId xmlns:p14="http://schemas.microsoft.com/office/powerpoint/2010/main" val="79735138"/>
       </p:ext>
     </p:extLst>
   </p:cSld>
@@ -1905,7 +1905,7 @@
           <p:cNvPr id="2" name="标题 1">
             <a:extLst>
               <a:ext uri="{FF2B5EF4-FFF2-40B4-BE49-F238E27FC236}">
-                <a16:creationId xmlns:a16="http://schemas.microsoft.com/office/drawing/2014/main" id="{E037C798-9C02-774F-D228-954CE3549528}"/>
+                <a16:creationId xmlns:a16="http://schemas.microsoft.com/office/drawing/2014/main" id="{D9455910-1E5C-0023-98CD-D654DC81A405}"/>
               </a:ext>
             </a:extLst>
           </p:cNvPr>
@@ -1933,7 +1933,7 @@
           <p:cNvPr id="3" name="日期占位符 2">
             <a:extLst>
               <a:ext uri="{FF2B5EF4-FFF2-40B4-BE49-F238E27FC236}">
-                <a16:creationId xmlns:a16="http://schemas.microsoft.com/office/drawing/2014/main" id="{D7BB602A-BF9C-F0BF-8B9D-FD86FAEA2BAE}"/>
+                <a16:creationId xmlns:a16="http://schemas.microsoft.com/office/drawing/2014/main" id="{7617495A-4812-F158-BE71-E5B436716AB2}"/>
               </a:ext>
             </a:extLst>
           </p:cNvPr>
@@ -1949,7 +1949,7 @@
           <a:bodyPr/>
           <a:lstStyle/>
           <a:p>
-            <a:fld id="{E10A629C-5079-4E2C-99D7-8D81384EEFBB}" type="datetimeFigureOut">
+            <a:fld id="{E71644B4-D9B3-4B22-9366-DA86911B7B8C}" type="datetimeFigureOut">
               <a:rPr lang="zh-CN" altLang="en-US" smtClean="0"/>
               <a:t>2024/3/10</a:t>
             </a:fld>
@@ -1962,7 +1962,7 @@
           <p:cNvPr id="4" name="页脚占位符 3">
             <a:extLst>
               <a:ext uri="{FF2B5EF4-FFF2-40B4-BE49-F238E27FC236}">
-                <a16:creationId xmlns:a16="http://schemas.microsoft.com/office/drawing/2014/main" id="{CD9FB79C-D727-CFD4-DC01-C6567B412C69}"/>
+                <a16:creationId xmlns:a16="http://schemas.microsoft.com/office/drawing/2014/main" id="{ADDC92A7-C17E-71F4-956B-1B6E34BE243E}"/>
               </a:ext>
             </a:extLst>
           </p:cNvPr>
@@ -1987,7 +1987,7 @@
           <p:cNvPr id="5" name="灯片编号占位符 4">
             <a:extLst>
               <a:ext uri="{FF2B5EF4-FFF2-40B4-BE49-F238E27FC236}">
-                <a16:creationId xmlns:a16="http://schemas.microsoft.com/office/drawing/2014/main" id="{042D48BE-69FF-B886-D151-47DB484F51D7}"/>
+                <a16:creationId xmlns:a16="http://schemas.microsoft.com/office/drawing/2014/main" id="{942B4DA9-D33B-0C2E-E8F7-7BAE19385C26}"/>
               </a:ext>
             </a:extLst>
           </p:cNvPr>
@@ -2003,7 +2003,7 @@
           <a:bodyPr/>
           <a:lstStyle/>
           <a:p>
-            <a:fld id="{B4101CDD-37A2-4328-9AA1-2D338D1166E5}" type="slidenum">
+            <a:fld id="{B9A30F79-7598-411B-93BB-C17885E3D094}" type="slidenum">
               <a:rPr lang="zh-CN" altLang="en-US" smtClean="0"/>
               <a:t>‹#›</a:t>
             </a:fld>
@@ -2014,7 +2014,7 @@
     </p:spTree>
     <p:extLst>
       <p:ext uri="{BB962C8B-B14F-4D97-AF65-F5344CB8AC3E}">
-        <p14:creationId xmlns:p14="http://schemas.microsoft.com/office/powerpoint/2010/main" val="3530762472"/>
+        <p14:creationId xmlns:p14="http://schemas.microsoft.com/office/powerpoint/2010/main" val="1257830069"/>
       </p:ext>
     </p:extLst>
   </p:cSld>
@@ -2046,7 +2046,7 @@
           <p:cNvPr id="2" name="日期占位符 1">
             <a:extLst>
               <a:ext uri="{FF2B5EF4-FFF2-40B4-BE49-F238E27FC236}">
-                <a16:creationId xmlns:a16="http://schemas.microsoft.com/office/drawing/2014/main" id="{92FF0AC2-91D4-77DD-4822-2895D69FED94}"/>
+                <a16:creationId xmlns:a16="http://schemas.microsoft.com/office/drawing/2014/main" id="{E03E7C8F-4DEC-71B1-0A63-57D107044AA4}"/>
               </a:ext>
             </a:extLst>
           </p:cNvPr>
@@ -2062,7 +2062,7 @@
           <a:bodyPr/>
           <a:lstStyle/>
           <a:p>
-            <a:fld id="{E10A629C-5079-4E2C-99D7-8D81384EEFBB}" type="datetimeFigureOut">
+            <a:fld id="{E71644B4-D9B3-4B22-9366-DA86911B7B8C}" type="datetimeFigureOut">
               <a:rPr lang="zh-CN" altLang="en-US" smtClean="0"/>
               <a:t>2024/3/10</a:t>
             </a:fld>
@@ -2075,7 +2075,7 @@
           <p:cNvPr id="3" name="页脚占位符 2">
             <a:extLst>
               <a:ext uri="{FF2B5EF4-FFF2-40B4-BE49-F238E27FC236}">
-                <a16:creationId xmlns:a16="http://schemas.microsoft.com/office/drawing/2014/main" id="{6AB82ADB-4B44-7292-6AA5-00CE1CC191B3}"/>
+                <a16:creationId xmlns:a16="http://schemas.microsoft.com/office/drawing/2014/main" id="{079688F0-08C0-536A-A311-0DE6821B0FF8}"/>
               </a:ext>
             </a:extLst>
           </p:cNvPr>
@@ -2100,7 +2100,7 @@
           <p:cNvPr id="4" name="灯片编号占位符 3">
             <a:extLst>
               <a:ext uri="{FF2B5EF4-FFF2-40B4-BE49-F238E27FC236}">
-                <a16:creationId xmlns:a16="http://schemas.microsoft.com/office/drawing/2014/main" id="{7E2715DE-BEA9-6A62-705B-A8826D10662F}"/>
+                <a16:creationId xmlns:a16="http://schemas.microsoft.com/office/drawing/2014/main" id="{CBC40103-40B4-2FB1-9E02-E2BE0B0277FE}"/>
               </a:ext>
             </a:extLst>
           </p:cNvPr>
@@ -2116,7 +2116,7 @@
           <a:bodyPr/>
           <a:lstStyle/>
           <a:p>
-            <a:fld id="{B4101CDD-37A2-4328-9AA1-2D338D1166E5}" type="slidenum">
+            <a:fld id="{B9A30F79-7598-411B-93BB-C17885E3D094}" type="slidenum">
               <a:rPr lang="zh-CN" altLang="en-US" smtClean="0"/>
               <a:t>‹#›</a:t>
             </a:fld>
@@ -2127,7 +2127,7 @@
     </p:spTree>
     <p:extLst>
       <p:ext uri="{BB962C8B-B14F-4D97-AF65-F5344CB8AC3E}">
-        <p14:creationId xmlns:p14="http://schemas.microsoft.com/office/powerpoint/2010/main" val="59004009"/>
+        <p14:creationId xmlns:p14="http://schemas.microsoft.com/office/powerpoint/2010/main" val="4283361261"/>
       </p:ext>
     </p:extLst>
   </p:cSld>
@@ -2159,7 +2159,7 @@
           <p:cNvPr id="2" name="标题 1">
             <a:extLst>
               <a:ext uri="{FF2B5EF4-FFF2-40B4-BE49-F238E27FC236}">
-                <a16:creationId xmlns:a16="http://schemas.microsoft.com/office/drawing/2014/main" id="{F8329004-BE88-F71A-EEF2-32170033A6F7}"/>
+                <a16:creationId xmlns:a16="http://schemas.microsoft.com/office/drawing/2014/main" id="{AEC08441-1777-72DA-5052-ED93C826185B}"/>
               </a:ext>
             </a:extLst>
           </p:cNvPr>
@@ -2196,7 +2196,7 @@
           <p:cNvPr id="3" name="内容占位符 2">
             <a:extLst>
               <a:ext uri="{FF2B5EF4-FFF2-40B4-BE49-F238E27FC236}">
-                <a16:creationId xmlns:a16="http://schemas.microsoft.com/office/drawing/2014/main" id="{0BDCC697-4A95-96D5-1FDE-1F2B527B2A0A}"/>
+                <a16:creationId xmlns:a16="http://schemas.microsoft.com/office/drawing/2014/main" id="{E6CF8935-4D78-53A3-1F9E-0A03B896D785}"/>
               </a:ext>
             </a:extLst>
           </p:cNvPr>
@@ -2286,7 +2286,7 @@
           <p:cNvPr id="4" name="文本占位符 3">
             <a:extLst>
               <a:ext uri="{FF2B5EF4-FFF2-40B4-BE49-F238E27FC236}">
-                <a16:creationId xmlns:a16="http://schemas.microsoft.com/office/drawing/2014/main" id="{3E3C7A43-2AC7-B267-5219-6AE898F5401F}"/>
+                <a16:creationId xmlns:a16="http://schemas.microsoft.com/office/drawing/2014/main" id="{3A582404-D96E-F897-A290-DC42C5D4BC56}"/>
               </a:ext>
             </a:extLst>
           </p:cNvPr>
@@ -2357,7 +2357,7 @@
           <p:cNvPr id="5" name="日期占位符 4">
             <a:extLst>
               <a:ext uri="{FF2B5EF4-FFF2-40B4-BE49-F238E27FC236}">
-                <a16:creationId xmlns:a16="http://schemas.microsoft.com/office/drawing/2014/main" id="{8A354961-55D9-CD38-4C94-37D03BDA7DD3}"/>
+                <a16:creationId xmlns:a16="http://schemas.microsoft.com/office/drawing/2014/main" id="{6C5D065B-4C68-2A6B-FF30-04A5E425643F}"/>
               </a:ext>
             </a:extLst>
           </p:cNvPr>
@@ -2373,7 +2373,7 @@
           <a:bodyPr/>
           <a:lstStyle/>
           <a:p>
-            <a:fld id="{E10A629C-5079-4E2C-99D7-8D81384EEFBB}" type="datetimeFigureOut">
+            <a:fld id="{E71644B4-D9B3-4B22-9366-DA86911B7B8C}" type="datetimeFigureOut">
               <a:rPr lang="zh-CN" altLang="en-US" smtClean="0"/>
               <a:t>2024/3/10</a:t>
             </a:fld>
@@ -2386,7 +2386,7 @@
           <p:cNvPr id="6" name="页脚占位符 5">
             <a:extLst>
               <a:ext uri="{FF2B5EF4-FFF2-40B4-BE49-F238E27FC236}">
-                <a16:creationId xmlns:a16="http://schemas.microsoft.com/office/drawing/2014/main" id="{B26E0701-0DD3-3185-F696-AB0BBC83F18D}"/>
+                <a16:creationId xmlns:a16="http://schemas.microsoft.com/office/drawing/2014/main" id="{4F7F6C2C-C3ED-1AD5-125B-E46A41F1867A}"/>
               </a:ext>
             </a:extLst>
           </p:cNvPr>
@@ -2411,7 +2411,7 @@
           <p:cNvPr id="7" name="灯片编号占位符 6">
             <a:extLst>
               <a:ext uri="{FF2B5EF4-FFF2-40B4-BE49-F238E27FC236}">
-                <a16:creationId xmlns:a16="http://schemas.microsoft.com/office/drawing/2014/main" id="{75D5D8C6-62B7-9B37-98C7-B6D135347BC2}"/>
+                <a16:creationId xmlns:a16="http://schemas.microsoft.com/office/drawing/2014/main" id="{A41F1DEF-5D62-C46D-FDB6-75C5E103C01D}"/>
               </a:ext>
             </a:extLst>
           </p:cNvPr>
@@ -2427,7 +2427,7 @@
           <a:bodyPr/>
           <a:lstStyle/>
           <a:p>
-            <a:fld id="{B4101CDD-37A2-4328-9AA1-2D338D1166E5}" type="slidenum">
+            <a:fld id="{B9A30F79-7598-411B-93BB-C17885E3D094}" type="slidenum">
               <a:rPr lang="zh-CN" altLang="en-US" smtClean="0"/>
               <a:t>‹#›</a:t>
             </a:fld>
@@ -2438,7 +2438,7 @@
     </p:spTree>
     <p:extLst>
       <p:ext uri="{BB962C8B-B14F-4D97-AF65-F5344CB8AC3E}">
-        <p14:creationId xmlns:p14="http://schemas.microsoft.com/office/powerpoint/2010/main" val="1221659055"/>
+        <p14:creationId xmlns:p14="http://schemas.microsoft.com/office/powerpoint/2010/main" val="924187452"/>
       </p:ext>
     </p:extLst>
   </p:cSld>
@@ -2470,7 +2470,7 @@
           <p:cNvPr id="2" name="标题 1">
             <a:extLst>
               <a:ext uri="{FF2B5EF4-FFF2-40B4-BE49-F238E27FC236}">
-                <a16:creationId xmlns:a16="http://schemas.microsoft.com/office/drawing/2014/main" id="{B5F5F987-4FB9-46FD-0458-B00F193AA1E7}"/>
+                <a16:creationId xmlns:a16="http://schemas.microsoft.com/office/drawing/2014/main" id="{6B9D8465-4FF1-D6FB-1D2E-B1D3FBEA6D26}"/>
               </a:ext>
             </a:extLst>
           </p:cNvPr>
@@ -2507,7 +2507,7 @@
           <p:cNvPr id="3" name="图片占位符 2">
             <a:extLst>
               <a:ext uri="{FF2B5EF4-FFF2-40B4-BE49-F238E27FC236}">
-                <a16:creationId xmlns:a16="http://schemas.microsoft.com/office/drawing/2014/main" id="{69F10470-AFBD-6FCB-D1F8-309FA9F9D0EE}"/>
+                <a16:creationId xmlns:a16="http://schemas.microsoft.com/office/drawing/2014/main" id="{64680FC5-3682-5084-B4C7-14785B4C2E8A}"/>
               </a:ext>
             </a:extLst>
           </p:cNvPr>
@@ -2574,7 +2574,7 @@
           <p:cNvPr id="4" name="文本占位符 3">
             <a:extLst>
               <a:ext uri="{FF2B5EF4-FFF2-40B4-BE49-F238E27FC236}">
-                <a16:creationId xmlns:a16="http://schemas.microsoft.com/office/drawing/2014/main" id="{4CBA5D20-2E98-E4F3-6D7A-C0FA76309181}"/>
+                <a16:creationId xmlns:a16="http://schemas.microsoft.com/office/drawing/2014/main" id="{1F330702-3958-D71F-49C5-5DD11E066AAC}"/>
               </a:ext>
             </a:extLst>
           </p:cNvPr>
@@ -2645,7 +2645,7 @@
           <p:cNvPr id="5" name="日期占位符 4">
             <a:extLst>
               <a:ext uri="{FF2B5EF4-FFF2-40B4-BE49-F238E27FC236}">
-                <a16:creationId xmlns:a16="http://schemas.microsoft.com/office/drawing/2014/main" id="{76CA6D77-8E57-7197-5ED2-D117659E68AB}"/>
+                <a16:creationId xmlns:a16="http://schemas.microsoft.com/office/drawing/2014/main" id="{D10B1CE5-F1F1-6327-F7AF-029AEEC1DD2C}"/>
               </a:ext>
             </a:extLst>
           </p:cNvPr>
@@ -2661,7 +2661,7 @@
           <a:bodyPr/>
           <a:lstStyle/>
           <a:p>
-            <a:fld id="{E10A629C-5079-4E2C-99D7-8D81384EEFBB}" type="datetimeFigureOut">
+            <a:fld id="{E71644B4-D9B3-4B22-9366-DA86911B7B8C}" type="datetimeFigureOut">
               <a:rPr lang="zh-CN" altLang="en-US" smtClean="0"/>
               <a:t>2024/3/10</a:t>
             </a:fld>
@@ -2674,7 +2674,7 @@
           <p:cNvPr id="6" name="页脚占位符 5">
             <a:extLst>
               <a:ext uri="{FF2B5EF4-FFF2-40B4-BE49-F238E27FC236}">
-                <a16:creationId xmlns:a16="http://schemas.microsoft.com/office/drawing/2014/main" id="{E173F852-BE87-7364-F5B5-A95EA2B36270}"/>
+                <a16:creationId xmlns:a16="http://schemas.microsoft.com/office/drawing/2014/main" id="{07DD12F8-2D3B-E5C6-C19B-B73FCFA22F55}"/>
               </a:ext>
             </a:extLst>
           </p:cNvPr>
@@ -2699,7 +2699,7 @@
           <p:cNvPr id="7" name="灯片编号占位符 6">
             <a:extLst>
               <a:ext uri="{FF2B5EF4-FFF2-40B4-BE49-F238E27FC236}">
-                <a16:creationId xmlns:a16="http://schemas.microsoft.com/office/drawing/2014/main" id="{030D4FCA-45F1-36FD-71D5-60C785A01476}"/>
+                <a16:creationId xmlns:a16="http://schemas.microsoft.com/office/drawing/2014/main" id="{A690F4BB-E839-AFDF-2429-864AC7128D15}"/>
               </a:ext>
             </a:extLst>
           </p:cNvPr>
@@ -2715,7 +2715,7 @@
           <a:bodyPr/>
           <a:lstStyle/>
           <a:p>
-            <a:fld id="{B4101CDD-37A2-4328-9AA1-2D338D1166E5}" type="slidenum">
+            <a:fld id="{B9A30F79-7598-411B-93BB-C17885E3D094}" type="slidenum">
               <a:rPr lang="zh-CN" altLang="en-US" smtClean="0"/>
               <a:t>‹#›</a:t>
             </a:fld>
@@ -2726,7 +2726,7 @@
     </p:spTree>
     <p:extLst>
       <p:ext uri="{BB962C8B-B14F-4D97-AF65-F5344CB8AC3E}">
-        <p14:creationId xmlns:p14="http://schemas.microsoft.com/office/powerpoint/2010/main" val="489631950"/>
+        <p14:creationId xmlns:p14="http://schemas.microsoft.com/office/powerpoint/2010/main" val="2661459816"/>
       </p:ext>
     </p:extLst>
   </p:cSld>
@@ -2763,7 +2763,7 @@
           <p:cNvPr id="2" name="标题占位符 1">
             <a:extLst>
               <a:ext uri="{FF2B5EF4-FFF2-40B4-BE49-F238E27FC236}">
-                <a16:creationId xmlns:a16="http://schemas.microsoft.com/office/drawing/2014/main" id="{819B80F2-3A60-20E7-D7DB-4D90DBB98E1C}"/>
+                <a16:creationId xmlns:a16="http://schemas.microsoft.com/office/drawing/2014/main" id="{087B9DA2-53C1-5B89-DB85-68B37CBE1BB2}"/>
               </a:ext>
             </a:extLst>
           </p:cNvPr>
@@ -2801,7 +2801,7 @@
           <p:cNvPr id="3" name="文本占位符 2">
             <a:extLst>
               <a:ext uri="{FF2B5EF4-FFF2-40B4-BE49-F238E27FC236}">
-                <a16:creationId xmlns:a16="http://schemas.microsoft.com/office/drawing/2014/main" id="{61F449FC-A3BC-CFF9-28F8-289094407C12}"/>
+                <a16:creationId xmlns:a16="http://schemas.microsoft.com/office/drawing/2014/main" id="{169345C3-C2FF-0B2B-E7A8-184A5E72221F}"/>
               </a:ext>
             </a:extLst>
           </p:cNvPr>
@@ -2868,7 +2868,7 @@
           <p:cNvPr id="4" name="日期占位符 3">
             <a:extLst>
               <a:ext uri="{FF2B5EF4-FFF2-40B4-BE49-F238E27FC236}">
-                <a16:creationId xmlns:a16="http://schemas.microsoft.com/office/drawing/2014/main" id="{3C355476-2B65-943E-C757-E827E4C45386}"/>
+                <a16:creationId xmlns:a16="http://schemas.microsoft.com/office/drawing/2014/main" id="{B9FEE762-EFBF-26E1-9267-435875C92ABA}"/>
               </a:ext>
             </a:extLst>
           </p:cNvPr>
@@ -2902,7 +2902,7 @@
             </a:lvl1pPr>
           </a:lstStyle>
           <a:p>
-            <a:fld id="{E10A629C-5079-4E2C-99D7-8D81384EEFBB}" type="datetimeFigureOut">
+            <a:fld id="{E71644B4-D9B3-4B22-9366-DA86911B7B8C}" type="datetimeFigureOut">
               <a:rPr lang="zh-CN" altLang="en-US" smtClean="0"/>
               <a:t>2024/3/10</a:t>
             </a:fld>
@@ -2915,7 +2915,7 @@
           <p:cNvPr id="5" name="页脚占位符 4">
             <a:extLst>
               <a:ext uri="{FF2B5EF4-FFF2-40B4-BE49-F238E27FC236}">
-                <a16:creationId xmlns:a16="http://schemas.microsoft.com/office/drawing/2014/main" id="{F25F6EF0-412F-2A4F-7A02-194F94EF6108}"/>
+                <a16:creationId xmlns:a16="http://schemas.microsoft.com/office/drawing/2014/main" id="{CF062C62-897B-80E8-4B7A-8298955910DD}"/>
               </a:ext>
             </a:extLst>
           </p:cNvPr>
@@ -2958,7 +2958,7 @@
           <p:cNvPr id="6" name="灯片编号占位符 5">
             <a:extLst>
               <a:ext uri="{FF2B5EF4-FFF2-40B4-BE49-F238E27FC236}">
-                <a16:creationId xmlns:a16="http://schemas.microsoft.com/office/drawing/2014/main" id="{92D5A379-6EE0-E953-FC98-D342C170C9F1}"/>
+                <a16:creationId xmlns:a16="http://schemas.microsoft.com/office/drawing/2014/main" id="{A7F40904-515F-A2A0-1F5E-2AAA6F1584AB}"/>
               </a:ext>
             </a:extLst>
           </p:cNvPr>
@@ -2992,7 +2992,7 @@
             </a:lvl1pPr>
           </a:lstStyle>
           <a:p>
-            <a:fld id="{B4101CDD-37A2-4328-9AA1-2D338D1166E5}" type="slidenum">
+            <a:fld id="{B9A30F79-7598-411B-93BB-C17885E3D094}" type="slidenum">
               <a:rPr lang="zh-CN" altLang="en-US" smtClean="0"/>
               <a:t>‹#›</a:t>
             </a:fld>
@@ -3003,7 +3003,7 @@
     </p:spTree>
     <p:extLst>
       <p:ext uri="{BB962C8B-B14F-4D97-AF65-F5344CB8AC3E}">
-        <p14:creationId xmlns:p14="http://schemas.microsoft.com/office/powerpoint/2010/main" val="2813260934"/>
+        <p14:creationId xmlns:p14="http://schemas.microsoft.com/office/powerpoint/2010/main" val="370448364"/>
       </p:ext>
     </p:extLst>
   </p:cSld>
